--- a/network.pptx
+++ b/network.pptx
@@ -112,14 +112,6 @@
 </p:presentation>
 </file>
 
-<file path=ppt/revisionInfo.xml><?xml version="1.0" encoding="utf-8"?>
-<p1510:revInfo xmlns:a="http://schemas.openxmlformats.org/drawingml/2006/main" xmlns:r="http://schemas.openxmlformats.org/officeDocument/2006/relationships" xmlns:p1510="http://schemas.microsoft.com/office/powerpoint/2015/10/main">
-  <p1510:revLst>
-    <p1510:client id="{9B6BF544-6129-4425-8C41-292242624C32}" v="8" dt="2023-02-20T19:31:03.338"/>
-  </p1510:revLst>
-</p1510:revInfo>
-</file>
-
 <file path=ppt/changesInfos/changesInfo1.xml><?xml version="1.0" encoding="utf-8"?>
 <pc:chgInfo xmlns:a="http://schemas.openxmlformats.org/drawingml/2006/main" xmlns:r="http://schemas.openxmlformats.org/officeDocument/2006/relationships" xmlns:ac="http://schemas.microsoft.com/office/drawing/2013/main/command" xmlns:pc="http://schemas.microsoft.com/office/powerpoint/2013/main/command">
   <pc:docChgLst>
@@ -186,6 +178,70 @@
       </pc:sldChg>
     </pc:docChg>
   </pc:docChgLst>
+  <pc:docChgLst>
+    <pc:chgData name="Ken Graf" userId="149e958a33bc8fb0" providerId="LiveId" clId="{D3B82A94-0986-46B9-B348-33678B97E9F0}"/>
+    <pc:docChg chg="modSld">
+      <pc:chgData name="Ken Graf" userId="149e958a33bc8fb0" providerId="LiveId" clId="{D3B82A94-0986-46B9-B348-33678B97E9F0}" dt="2023-03-05T18:59:31.590" v="53" actId="20577"/>
+      <pc:docMkLst>
+        <pc:docMk/>
+      </pc:docMkLst>
+      <pc:sldChg chg="modSp mod">
+        <pc:chgData name="Ken Graf" userId="149e958a33bc8fb0" providerId="LiveId" clId="{D3B82A94-0986-46B9-B348-33678B97E9F0}" dt="2023-03-05T18:59:31.590" v="53" actId="20577"/>
+        <pc:sldMkLst>
+          <pc:docMk/>
+          <pc:sldMk cId="3744495987" sldId="456"/>
+        </pc:sldMkLst>
+        <pc:spChg chg="mod">
+          <ac:chgData name="Ken Graf" userId="149e958a33bc8fb0" providerId="LiveId" clId="{D3B82A94-0986-46B9-B348-33678B97E9F0}" dt="2023-03-05T18:59:16.961" v="47" actId="20577"/>
+          <ac:spMkLst>
+            <pc:docMk/>
+            <pc:sldMk cId="3744495987" sldId="456"/>
+            <ac:spMk id="16" creationId="{E51D7EC0-0F87-B346-B495-395D654A3E89}"/>
+          </ac:spMkLst>
+        </pc:spChg>
+        <pc:spChg chg="mod">
+          <ac:chgData name="Ken Graf" userId="149e958a33bc8fb0" providerId="LiveId" clId="{D3B82A94-0986-46B9-B348-33678B97E9F0}" dt="2023-03-05T18:59:21.914" v="49" actId="20577"/>
+          <ac:spMkLst>
+            <pc:docMk/>
+            <pc:sldMk cId="3744495987" sldId="456"/>
+            <ac:spMk id="17" creationId="{338C03F5-DD46-2374-879C-50B16D46FDA9}"/>
+          </ac:spMkLst>
+        </pc:spChg>
+        <pc:spChg chg="mod">
+          <ac:chgData name="Ken Graf" userId="149e958a33bc8fb0" providerId="LiveId" clId="{D3B82A94-0986-46B9-B348-33678B97E9F0}" dt="2023-03-05T18:59:26.659" v="51" actId="20577"/>
+          <ac:spMkLst>
+            <pc:docMk/>
+            <pc:sldMk cId="3744495987" sldId="456"/>
+            <ac:spMk id="18" creationId="{9A3E06A0-6E32-2AD6-AF5D-098AAE13C96B}"/>
+          </ac:spMkLst>
+        </pc:spChg>
+        <pc:spChg chg="mod">
+          <ac:chgData name="Ken Graf" userId="149e958a33bc8fb0" providerId="LiveId" clId="{D3B82A94-0986-46B9-B348-33678B97E9F0}" dt="2023-03-05T18:59:31.590" v="53" actId="20577"/>
+          <ac:spMkLst>
+            <pc:docMk/>
+            <pc:sldMk cId="3744495987" sldId="456"/>
+            <ac:spMk id="19" creationId="{87FF93EE-1082-6AF1-25C0-3068DB0CF03D}"/>
+          </ac:spMkLst>
+        </pc:spChg>
+        <pc:spChg chg="mod">
+          <ac:chgData name="Ken Graf" userId="149e958a33bc8fb0" providerId="LiveId" clId="{D3B82A94-0986-46B9-B348-33678B97E9F0}" dt="2023-03-05T18:59:13.149" v="45" actId="20577"/>
+          <ac:spMkLst>
+            <pc:docMk/>
+            <pc:sldMk cId="3744495987" sldId="456"/>
+            <ac:spMk id="35" creationId="{F069A9AC-D707-CC0B-DD1C-22BB99D2F13B}"/>
+          </ac:spMkLst>
+        </pc:spChg>
+        <pc:spChg chg="mod">
+          <ac:chgData name="Ken Graf" userId="149e958a33bc8fb0" providerId="LiveId" clId="{D3B82A94-0986-46B9-B348-33678B97E9F0}" dt="2023-03-05T18:58:50.809" v="43" actId="20577"/>
+          <ac:spMkLst>
+            <pc:docMk/>
+            <pc:sldMk cId="3744495987" sldId="456"/>
+            <ac:spMk id="40" creationId="{C22DF48E-F2FA-02F4-986C-73DA8BF32762}"/>
+          </ac:spMkLst>
+        </pc:spChg>
+      </pc:sldChg>
+    </pc:docChg>
+  </pc:docChgLst>
 </pc:chgInfo>
 </file>
 
@@ -336,7 +392,7 @@
           <a:p>
             <a:fld id="{7AB1D8C1-B362-47BA-83E5-E59027BC10CE}" type="datetimeFigureOut">
               <a:rPr lang="en-US" smtClean="0"/>
-              <a:t>2/20/2023</a:t>
+              <a:t>3/5/2023</a:t>
             </a:fld>
             <a:endParaRPr lang="en-US"/>
           </a:p>
@@ -534,7 +590,7 @@
           <a:p>
             <a:fld id="{7AB1D8C1-B362-47BA-83E5-E59027BC10CE}" type="datetimeFigureOut">
               <a:rPr lang="en-US" smtClean="0"/>
-              <a:t>2/20/2023</a:t>
+              <a:t>3/5/2023</a:t>
             </a:fld>
             <a:endParaRPr lang="en-US"/>
           </a:p>
@@ -742,7 +798,7 @@
           <a:p>
             <a:fld id="{7AB1D8C1-B362-47BA-83E5-E59027BC10CE}" type="datetimeFigureOut">
               <a:rPr lang="en-US" smtClean="0"/>
-              <a:t>2/20/2023</a:t>
+              <a:t>3/5/2023</a:t>
             </a:fld>
             <a:endParaRPr lang="en-US"/>
           </a:p>
@@ -1137,7 +1193,7 @@
           <a:p>
             <a:fld id="{7AB1D8C1-B362-47BA-83E5-E59027BC10CE}" type="datetimeFigureOut">
               <a:rPr lang="en-US" smtClean="0"/>
-              <a:t>2/20/2023</a:t>
+              <a:t>3/5/2023</a:t>
             </a:fld>
             <a:endParaRPr lang="en-US"/>
           </a:p>
@@ -1412,7 +1468,7 @@
           <a:p>
             <a:fld id="{7AB1D8C1-B362-47BA-83E5-E59027BC10CE}" type="datetimeFigureOut">
               <a:rPr lang="en-US" smtClean="0"/>
-              <a:t>2/20/2023</a:t>
+              <a:t>3/5/2023</a:t>
             </a:fld>
             <a:endParaRPr lang="en-US"/>
           </a:p>
@@ -1677,7 +1733,7 @@
           <a:p>
             <a:fld id="{7AB1D8C1-B362-47BA-83E5-E59027BC10CE}" type="datetimeFigureOut">
               <a:rPr lang="en-US" smtClean="0"/>
-              <a:t>2/20/2023</a:t>
+              <a:t>3/5/2023</a:t>
             </a:fld>
             <a:endParaRPr lang="en-US"/>
           </a:p>
@@ -2089,7 +2145,7 @@
           <a:p>
             <a:fld id="{7AB1D8C1-B362-47BA-83E5-E59027BC10CE}" type="datetimeFigureOut">
               <a:rPr lang="en-US" smtClean="0"/>
-              <a:t>2/20/2023</a:t>
+              <a:t>3/5/2023</a:t>
             </a:fld>
             <a:endParaRPr lang="en-US"/>
           </a:p>
@@ -2230,7 +2286,7 @@
           <a:p>
             <a:fld id="{7AB1D8C1-B362-47BA-83E5-E59027BC10CE}" type="datetimeFigureOut">
               <a:rPr lang="en-US" smtClean="0"/>
-              <a:t>2/20/2023</a:t>
+              <a:t>3/5/2023</a:t>
             </a:fld>
             <a:endParaRPr lang="en-US"/>
           </a:p>
@@ -2343,7 +2399,7 @@
           <a:p>
             <a:fld id="{7AB1D8C1-B362-47BA-83E5-E59027BC10CE}" type="datetimeFigureOut">
               <a:rPr lang="en-US" smtClean="0"/>
-              <a:t>2/20/2023</a:t>
+              <a:t>3/5/2023</a:t>
             </a:fld>
             <a:endParaRPr lang="en-US"/>
           </a:p>
@@ -2654,7 +2710,7 @@
           <a:p>
             <a:fld id="{7AB1D8C1-B362-47BA-83E5-E59027BC10CE}" type="datetimeFigureOut">
               <a:rPr lang="en-US" smtClean="0"/>
-              <a:t>2/20/2023</a:t>
+              <a:t>3/5/2023</a:t>
             </a:fld>
             <a:endParaRPr lang="en-US"/>
           </a:p>
@@ -2942,7 +2998,7 @@
           <a:p>
             <a:fld id="{7AB1D8C1-B362-47BA-83E5-E59027BC10CE}" type="datetimeFigureOut">
               <a:rPr lang="en-US" smtClean="0"/>
-              <a:t>2/20/2023</a:t>
+              <a:t>3/5/2023</a:t>
             </a:fld>
             <a:endParaRPr lang="en-US"/>
           </a:p>
@@ -3183,7 +3239,7 @@
           <a:p>
             <a:fld id="{7AB1D8C1-B362-47BA-83E5-E59027BC10CE}" type="datetimeFigureOut">
               <a:rPr lang="en-US" smtClean="0"/>
-              <a:t>2/20/2023</a:t>
+              <a:t>3/5/2023</a:t>
             </a:fld>
             <a:endParaRPr lang="en-US"/>
           </a:p>
@@ -3668,7 +3724,7 @@
                 <a:latin typeface="Arial" panose="020B0604020202020204" pitchFamily="34" charset="0"/>
                 <a:cs typeface="Arial" panose="020B0604020202020204" pitchFamily="34" charset="0"/>
               </a:rPr>
-              <a:t>WWW (CIDR 10.1.0.0/15)</a:t>
+              <a:t>WWW (CIDR 10.X.4.0/24)</a:t>
             </a:r>
           </a:p>
         </p:txBody>
@@ -3738,7 +3794,7 @@
                 <a:latin typeface="Arial" panose="020B0604020202020204" pitchFamily="34" charset="0"/>
                 <a:cs typeface="Arial" panose="020B0604020202020204" pitchFamily="34" charset="0"/>
               </a:rPr>
-              <a:t>VPC for sim environment (10.0.0.0/8)</a:t>
+              <a:t>VPC for scenario environment (10.X.0.0/16)</a:t>
             </a:r>
           </a:p>
         </p:txBody>
@@ -5043,7 +5099,7 @@
                 <a:latin typeface="Arial" panose="020B0604020202020204" pitchFamily="34" charset="0"/>
                 <a:cs typeface="Arial" panose="020B0604020202020204" pitchFamily="34" charset="0"/>
               </a:rPr>
-              <a:t>Public (CIDR 10.0.1.0/24)</a:t>
+              <a:t>Public (CIDR 10.X.1.0/24)</a:t>
             </a:r>
           </a:p>
         </p:txBody>
@@ -5109,7 +5165,7 @@
                 <a:latin typeface="Arial" panose="020B0604020202020204" pitchFamily="34" charset="0"/>
                 <a:cs typeface="Arial" panose="020B0604020202020204" pitchFamily="34" charset="0"/>
               </a:rPr>
-              <a:t>Private (CIDR 10.0.2.0/24)</a:t>
+              <a:t>Private (CIDR 10.X.2.0/24)</a:t>
             </a:r>
           </a:p>
         </p:txBody>
@@ -5181,7 +5237,27 @@
                 <a:latin typeface="Arial" panose="020B0604020202020204" pitchFamily="34" charset="0"/>
                 <a:cs typeface="Arial" panose="020B0604020202020204" pitchFamily="34" charset="0"/>
               </a:rPr>
-              <a:t>Corporate (CIDR 10.0.3.0/24)</a:t>
+              <a:t>Corporate (CIDR </a:t>
+            </a:r>
+            <a:r>
+              <a:rPr lang="en-US" sz="1200">
+                <a:solidFill>
+                  <a:srgbClr val="1E8900"/>
+                </a:solidFill>
+                <a:latin typeface="Arial" panose="020B0604020202020204" pitchFamily="34" charset="0"/>
+                <a:cs typeface="Arial" panose="020B0604020202020204" pitchFamily="34" charset="0"/>
+              </a:rPr>
+              <a:t>10.X.</a:t>
+            </a:r>
+            <a:r>
+              <a:rPr lang="en-US" sz="1200" dirty="0">
+                <a:solidFill>
+                  <a:srgbClr val="1E8900"/>
+                </a:solidFill>
+                <a:latin typeface="Arial" panose="020B0604020202020204" pitchFamily="34" charset="0"/>
+                <a:cs typeface="Arial" panose="020B0604020202020204" pitchFamily="34" charset="0"/>
+              </a:rPr>
+              <a:t>3.0/24)</a:t>
             </a:r>
           </a:p>
         </p:txBody>
@@ -6222,7 +6298,7 @@
                 <a:latin typeface="Arial" panose="020B0604020202020204" pitchFamily="34" charset="0"/>
                 <a:cs typeface="Arial" panose="020B0604020202020204" pitchFamily="34" charset="0"/>
               </a:rPr>
-              <a:t>Overlord (CIDR 10.0.0.0/24)</a:t>
+              <a:t>Overlord (CIDR 10.X.0.0/24)</a:t>
             </a:r>
           </a:p>
         </p:txBody>
